--- a/powerpoint/1stInternship.pptx
+++ b/powerpoint/1stInternship.pptx
@@ -3177,7 +3177,7 @@
         <p:spPr>
           <a:xfrm>
             <a:off x="3022657" y="386424"/>
-            <a:ext cx="3832261" cy="784830"/>
+            <a:ext cx="3832261" cy="969496"/>
           </a:xfrm>
           <a:prstGeom prst="rect">
             <a:avLst/>
@@ -3207,7 +3207,60 @@
               </a:rPr>
               <a:t>First Internship</a:t>
             </a:r>
-            <a:endParaRPr lang="en-US" sz="4500" u="sng" dirty="0">
+          </a:p>
+          <a:p>
+            <a:r>
+              <a:rPr lang="en-US" sz="1200" dirty="0" smtClean="0">
+                <a:solidFill>
+                  <a:schemeClr val="accent1">
+                    <a:lumMod val="50000"/>
+                  </a:schemeClr>
+                </a:solidFill>
+                <a:uFill>
+                  <a:solidFill>
+                    <a:schemeClr val="accent1">
+                      <a:lumMod val="50000"/>
+                    </a:schemeClr>
+                  </a:solidFill>
+                </a:uFill>
+              </a:rPr>
+              <a:t>01/02/2018 </a:t>
+            </a:r>
+            <a:r>
+              <a:rPr lang="mr-IN" sz="1200" dirty="0" smtClean="0">
+                <a:solidFill>
+                  <a:schemeClr val="accent1">
+                    <a:lumMod val="50000"/>
+                  </a:schemeClr>
+                </a:solidFill>
+                <a:uFill>
+                  <a:solidFill>
+                    <a:schemeClr val="accent1">
+                      <a:lumMod val="50000"/>
+                    </a:schemeClr>
+                  </a:solidFill>
+                </a:uFill>
+              </a:rPr>
+              <a:t>–</a:t>
+            </a:r>
+            <a:r>
+              <a:rPr lang="en-US" sz="1200" dirty="0" smtClean="0">
+                <a:solidFill>
+                  <a:schemeClr val="accent1">
+                    <a:lumMod val="50000"/>
+                  </a:schemeClr>
+                </a:solidFill>
+                <a:uFill>
+                  <a:solidFill>
+                    <a:schemeClr val="accent1">
+                      <a:lumMod val="50000"/>
+                    </a:schemeClr>
+                  </a:solidFill>
+                </a:uFill>
+              </a:rPr>
+              <a:t> 01/08/2018</a:t>
+            </a:r>
+            <a:endParaRPr lang="en-US" sz="1200" dirty="0">
               <a:solidFill>
                 <a:schemeClr val="accent1">
                   <a:lumMod val="50000"/>
@@ -3414,14 +3467,24 @@
               <a:t>- </a:t>
             </a:r>
             <a:r>
-              <a:rPr lang="en-US" dirty="0" err="1" smtClean="0">
+              <a:rPr lang="en-US" smtClean="0">
                 <a:solidFill>
                   <a:schemeClr val="accent1">
                     <a:lumMod val="50000"/>
                   </a:schemeClr>
                 </a:solidFill>
               </a:rPr>
-              <a:t>L’entreprise</a:t>
+              <a:t>La </a:t>
+            </a:r>
+            <a:r>
+              <a:rPr lang="en-US" smtClean="0">
+                <a:solidFill>
+                  <a:schemeClr val="accent1">
+                    <a:lumMod val="50000"/>
+                  </a:schemeClr>
+                </a:solidFill>
+              </a:rPr>
+              <a:t>post-production</a:t>
             </a:r>
             <a:endParaRPr lang="en-US" dirty="0" smtClean="0">
               <a:solidFill>
@@ -3463,27 +3526,7 @@
                   </a:schemeClr>
                 </a:solidFill>
               </a:rPr>
-              <a:t>- Les </a:t>
-            </a:r>
-            <a:r>
-              <a:rPr lang="en-US" dirty="0" err="1" smtClean="0">
-                <a:solidFill>
-                  <a:schemeClr val="accent1">
-                    <a:lumMod val="50000"/>
-                  </a:schemeClr>
-                </a:solidFill>
-              </a:rPr>
-              <a:t>logiciels</a:t>
-            </a:r>
-            <a:r>
-              <a:rPr lang="en-US" dirty="0" smtClean="0">
-                <a:solidFill>
-                  <a:schemeClr val="accent1">
-                    <a:lumMod val="50000"/>
-                  </a:schemeClr>
-                </a:solidFill>
-              </a:rPr>
-              <a:t> et technologies</a:t>
+              <a:t>- Mathematic</a:t>
             </a:r>
             <a:endParaRPr lang="en-US" dirty="0">
               <a:solidFill>
@@ -3580,44 +3623,14 @@
           <a:lstStyle/>
           <a:p>
             <a:r>
-              <a:rPr lang="en-US" dirty="0" smtClean="0">
+              <a:rPr lang="en-US" smtClean="0">
                 <a:solidFill>
                   <a:schemeClr val="accent1">
                     <a:lumMod val="50000"/>
                   </a:schemeClr>
                 </a:solidFill>
               </a:rPr>
-              <a:t>- </a:t>
-            </a:r>
-            <a:r>
-              <a:rPr lang="en-US" dirty="0" err="1" smtClean="0">
-                <a:solidFill>
-                  <a:schemeClr val="accent1">
-                    <a:lumMod val="50000"/>
-                  </a:schemeClr>
-                </a:solidFill>
-              </a:rPr>
-              <a:t>Mes</a:t>
-            </a:r>
-            <a:r>
-              <a:rPr lang="en-US" dirty="0" smtClean="0">
-                <a:solidFill>
-                  <a:schemeClr val="accent1">
-                    <a:lumMod val="50000"/>
-                  </a:schemeClr>
-                </a:solidFill>
-              </a:rPr>
-              <a:t> impressions</a:t>
-            </a:r>
-            <a:r>
-              <a:rPr lang="en-US" dirty="0" smtClean="0">
-                <a:solidFill>
-                  <a:schemeClr val="accent1">
-                    <a:lumMod val="50000"/>
-                  </a:schemeClr>
-                </a:solidFill>
-              </a:rPr>
-              <a:t> et conclusion</a:t>
+              <a:t>- Conclusion</a:t>
             </a:r>
             <a:endParaRPr lang="en-US" dirty="0">
               <a:solidFill>
